--- a/CV/OCR-Notes.pptx
+++ b/CV/OCR-Notes.pptx
@@ -164,8 +164,8 @@
           </a:lstStyle>
           <a:p>
             <a:endParaRPr lang="zh-CN" altLang="en-US">
-              <a:latin typeface="Microsoft YaHei" panose="020B0503020204020204" charset="-122"/>
-              <a:ea typeface="Microsoft YaHei" panose="020B0503020204020204" charset="-122"/>
+              <a:latin typeface="微软雅黑" panose="020B0503020204020204" charset="-122"/>
+              <a:ea typeface="微软雅黑" panose="020B0503020204020204" charset="-122"/>
             </a:endParaRPr>
           </a:p>
         </p:txBody>
@@ -199,13 +199,13 @@
           <a:p>
             <a:fld id="{0F9B84EA-7D68-4D60-9CB1-D50884785D1C}" type="datetimeFigureOut">
               <a:rPr lang="zh-CN" altLang="en-US" smtClean="0">
-                <a:latin typeface="Microsoft YaHei" panose="020B0503020204020204" charset="-122"/>
-                <a:ea typeface="Microsoft YaHei" panose="020B0503020204020204" charset="-122"/>
+                <a:latin typeface="微软雅黑" panose="020B0503020204020204" charset="-122"/>
+                <a:ea typeface="微软雅黑" panose="020B0503020204020204" charset="-122"/>
               </a:rPr>
             </a:fld>
             <a:endParaRPr lang="zh-CN" altLang="en-US" smtClean="0">
-              <a:latin typeface="Microsoft YaHei" panose="020B0503020204020204" charset="-122"/>
-              <a:ea typeface="Microsoft YaHei" panose="020B0503020204020204" charset="-122"/>
+              <a:latin typeface="微软雅黑" panose="020B0503020204020204" charset="-122"/>
+              <a:ea typeface="微软雅黑" panose="020B0503020204020204" charset="-122"/>
             </a:endParaRPr>
           </a:p>
         </p:txBody>
@@ -238,8 +238,8 @@
           </a:lstStyle>
           <a:p>
             <a:endParaRPr lang="zh-CN" altLang="en-US">
-              <a:latin typeface="Microsoft YaHei" panose="020B0503020204020204" charset="-122"/>
-              <a:ea typeface="Microsoft YaHei" panose="020B0503020204020204" charset="-122"/>
+              <a:latin typeface="微软雅黑" panose="020B0503020204020204" charset="-122"/>
+              <a:ea typeface="微软雅黑" panose="020B0503020204020204" charset="-122"/>
             </a:endParaRPr>
           </a:p>
         </p:txBody>
@@ -273,13 +273,13 @@
           <a:p>
             <a:fld id="{8D4E0FC9-F1F8-4FAE-9988-3BA365CFD46F}" type="slidenum">
               <a:rPr lang="zh-CN" altLang="en-US" smtClean="0">
-                <a:latin typeface="Microsoft YaHei" panose="020B0503020204020204" charset="-122"/>
-                <a:ea typeface="Microsoft YaHei" panose="020B0503020204020204" charset="-122"/>
+                <a:latin typeface="微软雅黑" panose="020B0503020204020204" charset="-122"/>
+                <a:ea typeface="微软雅黑" panose="020B0503020204020204" charset="-122"/>
               </a:rPr>
             </a:fld>
             <a:endParaRPr lang="zh-CN" altLang="en-US" smtClean="0">
-              <a:latin typeface="Microsoft YaHei" panose="020B0503020204020204" charset="-122"/>
-              <a:ea typeface="Microsoft YaHei" panose="020B0503020204020204" charset="-122"/>
+              <a:latin typeface="微软雅黑" panose="020B0503020204020204" charset="-122"/>
+              <a:ea typeface="微软雅黑" panose="020B0503020204020204" charset="-122"/>
             </a:endParaRPr>
           </a:p>
         </p:txBody>
@@ -336,8 +336,8 @@
           <a:lstStyle>
             <a:lvl1pPr algn="l">
               <a:defRPr sz="1200">
-                <a:latin typeface="Microsoft YaHei" panose="020B0503020204020204" charset="-122"/>
-                <a:ea typeface="Microsoft YaHei" panose="020B0503020204020204" charset="-122"/>
+                <a:latin typeface="微软雅黑" panose="020B0503020204020204" charset="-122"/>
+                <a:ea typeface="微软雅黑" panose="020B0503020204020204" charset="-122"/>
               </a:defRPr>
             </a:lvl1pPr>
           </a:lstStyle>
@@ -370,8 +370,8 @@
           <a:lstStyle>
             <a:lvl1pPr algn="r">
               <a:defRPr sz="1200">
-                <a:latin typeface="Microsoft YaHei" panose="020B0503020204020204" charset="-122"/>
-                <a:ea typeface="Microsoft YaHei" panose="020B0503020204020204" charset="-122"/>
+                <a:latin typeface="微软雅黑" panose="020B0503020204020204" charset="-122"/>
+                <a:ea typeface="微软雅黑" panose="020B0503020204020204" charset="-122"/>
               </a:defRPr>
             </a:lvl1pPr>
           </a:lstStyle>
@@ -504,8 +504,8 @@
           <a:lstStyle>
             <a:lvl1pPr algn="l">
               <a:defRPr sz="1200">
-                <a:latin typeface="Microsoft YaHei" panose="020B0503020204020204" charset="-122"/>
-                <a:ea typeface="Microsoft YaHei" panose="020B0503020204020204" charset="-122"/>
+                <a:latin typeface="微软雅黑" panose="020B0503020204020204" charset="-122"/>
+                <a:ea typeface="微软雅黑" panose="020B0503020204020204" charset="-122"/>
               </a:defRPr>
             </a:lvl1pPr>
           </a:lstStyle>
@@ -538,8 +538,8 @@
           <a:lstStyle>
             <a:lvl1pPr algn="r">
               <a:defRPr sz="1200">
-                <a:latin typeface="Microsoft YaHei" panose="020B0503020204020204" charset="-122"/>
-                <a:ea typeface="Microsoft YaHei" panose="020B0503020204020204" charset="-122"/>
+                <a:latin typeface="微软雅黑" panose="020B0503020204020204" charset="-122"/>
+                <a:ea typeface="微软雅黑" panose="020B0503020204020204" charset="-122"/>
               </a:defRPr>
             </a:lvl1pPr>
           </a:lstStyle>
@@ -560,8 +560,8 @@
         <a:solidFill>
           <a:schemeClr val="tx1"/>
         </a:solidFill>
-        <a:latin typeface="Microsoft YaHei" panose="020B0503020204020204" charset="-122"/>
-        <a:ea typeface="Microsoft YaHei" panose="020B0503020204020204" charset="-122"/>
+        <a:latin typeface="微软雅黑" panose="020B0503020204020204" charset="-122"/>
+        <a:ea typeface="微软雅黑" panose="020B0503020204020204" charset="-122"/>
         <a:cs typeface="+mn-cs"/>
       </a:defRPr>
     </a:lvl1pPr>
@@ -570,8 +570,8 @@
         <a:solidFill>
           <a:schemeClr val="tx1"/>
         </a:solidFill>
-        <a:latin typeface="Microsoft YaHei" panose="020B0503020204020204" charset="-122"/>
-        <a:ea typeface="Microsoft YaHei" panose="020B0503020204020204" charset="-122"/>
+        <a:latin typeface="微软雅黑" panose="020B0503020204020204" charset="-122"/>
+        <a:ea typeface="微软雅黑" panose="020B0503020204020204" charset="-122"/>
         <a:cs typeface="+mn-cs"/>
       </a:defRPr>
     </a:lvl2pPr>
@@ -580,8 +580,8 @@
         <a:solidFill>
           <a:schemeClr val="tx1"/>
         </a:solidFill>
-        <a:latin typeface="Microsoft YaHei" panose="020B0503020204020204" charset="-122"/>
-        <a:ea typeface="Microsoft YaHei" panose="020B0503020204020204" charset="-122"/>
+        <a:latin typeface="微软雅黑" panose="020B0503020204020204" charset="-122"/>
+        <a:ea typeface="微软雅黑" panose="020B0503020204020204" charset="-122"/>
         <a:cs typeface="+mn-cs"/>
       </a:defRPr>
     </a:lvl3pPr>
@@ -590,8 +590,8 @@
         <a:solidFill>
           <a:schemeClr val="tx1"/>
         </a:solidFill>
-        <a:latin typeface="Microsoft YaHei" panose="020B0503020204020204" charset="-122"/>
-        <a:ea typeface="Microsoft YaHei" panose="020B0503020204020204" charset="-122"/>
+        <a:latin typeface="微软雅黑" panose="020B0503020204020204" charset="-122"/>
+        <a:ea typeface="微软雅黑" panose="020B0503020204020204" charset="-122"/>
         <a:cs typeface="+mn-cs"/>
       </a:defRPr>
     </a:lvl4pPr>
@@ -600,8 +600,8 @@
         <a:solidFill>
           <a:schemeClr val="tx1"/>
         </a:solidFill>
-        <a:latin typeface="Microsoft YaHei" panose="020B0503020204020204" charset="-122"/>
-        <a:ea typeface="Microsoft YaHei" panose="020B0503020204020204" charset="-122"/>
+        <a:latin typeface="微软雅黑" panose="020B0503020204020204" charset="-122"/>
+        <a:ea typeface="微软雅黑" panose="020B0503020204020204" charset="-122"/>
         <a:cs typeface="+mn-cs"/>
       </a:defRPr>
     </a:lvl5pPr>
@@ -1585,7 +1585,7 @@
               <a:pPr algn="ctr"/>
               <a:endParaRPr lang="zh-CN" altLang="en-US" baseline="0">
                 <a:latin typeface="Arial" panose="020B0604020202020204" pitchFamily="34" charset="0"/>
-                <a:ea typeface="SimHei" panose="02010609060101010101" pitchFamily="49" charset="-122"/>
+                <a:ea typeface="黑体" panose="02010609060101010101" pitchFamily="49" charset="-122"/>
               </a:endParaRPr>
             </a:p>
           </p:txBody>
@@ -1636,7 +1636,7 @@
               <a:pPr algn="ctr"/>
               <a:endParaRPr lang="zh-CN" altLang="en-US" baseline="0">
                 <a:latin typeface="Arial" panose="020B0604020202020204" pitchFamily="34" charset="0"/>
-                <a:ea typeface="SimHei" panose="02010609060101010101" pitchFamily="49" charset="-122"/>
+                <a:ea typeface="黑体" panose="02010609060101010101" pitchFamily="49" charset="-122"/>
               </a:endParaRPr>
             </a:p>
           </p:txBody>
@@ -1689,7 +1689,7 @@
               <a:pPr algn="ctr"/>
               <a:endParaRPr lang="zh-CN" altLang="en-US" baseline="0">
                 <a:latin typeface="Arial" panose="020B0604020202020204" pitchFamily="34" charset="0"/>
-                <a:ea typeface="SimHei" panose="02010609060101010101" pitchFamily="49" charset="-122"/>
+                <a:ea typeface="黑体" panose="02010609060101010101" pitchFamily="49" charset="-122"/>
               </a:endParaRPr>
             </a:p>
           </p:txBody>
@@ -2489,7 +2489,7 @@
                 <a:schemeClr val="tx1"/>
               </a:solidFill>
               <a:latin typeface="Arial" panose="020B0604020202020204" pitchFamily="34" charset="0"/>
-              <a:ea typeface="SimHei" panose="02010609060101010101" pitchFamily="49" charset="-122"/>
+              <a:ea typeface="黑体" panose="02010609060101010101" pitchFamily="49" charset="-122"/>
             </a:endParaRPr>
           </a:p>
         </p:txBody>
@@ -3415,7 +3415,7 @@
         <a:spcBef>
           <a:spcPts val="1000"/>
         </a:spcBef>
-        <a:buFont typeface="SimHei" panose="02010609060101010101" pitchFamily="49" charset="-122"/>
+        <a:buFont typeface="黑体" panose="02010609060101010101" pitchFamily="49" charset="-122"/>
         <a:buChar char="〉"/>
         <a:defRPr sz="2400" kern="1200">
           <a:solidFill>
@@ -3739,18 +3739,31 @@
             </p:custDataLst>
           </p:nvPr>
         </p:nvSpPr>
-        <p:spPr/>
+        <p:spPr>
+          <a:xfrm>
+            <a:off x="1524000" y="5388235"/>
+            <a:ext cx="9144000" cy="376237"/>
+          </a:xfrm>
+        </p:spPr>
         <p:txBody>
           <a:bodyPr>
-            <a:normAutofit fontScale="72500"/>
+            <a:noAutofit/>
           </a:bodyPr>
           <a:p>
             <a:pPr algn="ctr"/>
             <a:r>
-              <a:rPr lang="en-US" altLang="zh-CN" dirty="0"/>
+              <a:rPr lang="en-US" altLang="zh-CN" sz="1800" dirty="0"/>
+              <a:t>Sparks Lu</a:t>
+            </a:r>
+            <a:endParaRPr lang="en-US" altLang="zh-CN" sz="1800" dirty="0"/>
+          </a:p>
+          <a:p>
+            <a:pPr algn="ctr"/>
+            <a:r>
+              <a:rPr lang="en-US" altLang="zh-CN" sz="1800" dirty="0"/>
               <a:t>Last updated: 11/13/2019</a:t>
             </a:r>
-            <a:endParaRPr lang="en-US" altLang="zh-CN" dirty="0"/>
+            <a:endParaRPr lang="en-US" altLang="zh-CN" sz="1800" dirty="0"/>
           </a:p>
         </p:txBody>
       </p:sp>

--- a/CV/OCR-Notes.pptx
+++ b/CV/OCR-Notes.pptx
@@ -16,6 +16,9 @@
   </p:sldIdLst>
   <p:sldSz cx="12192000" cy="6858000"/>
   <p:notesSz cx="6858000" cy="9144000"/>
+  <p:custDataLst>
+    <p:tags r:id="rId10"/>
+  </p:custDataLst>
   <p:defaultTextStyle>
     <a:defPPr>
       <a:defRPr lang="zh-CN"/>
@@ -111,6 +114,22 @@
       </a:defRPr>
     </a:lvl9pPr>
   </p:defaultTextStyle>
+  <p:extLst>
+    <p:ext uri="{EFAFB233-063F-42B5-8137-9DF3F51BA10A}">
+      <p15:sldGuideLst xmlns:p15="http://schemas.microsoft.com/office/powerpoint/2012/main">
+        <p15:guide id="1" orient="horz" pos="2196" userDrawn="1">
+          <p15:clr>
+            <a:srgbClr val="A4A3A4"/>
+          </p15:clr>
+        </p15:guide>
+        <p15:guide id="2" pos="3840" userDrawn="1">
+          <p15:clr>
+            <a:srgbClr val="A4A3A4"/>
+          </p15:clr>
+        </p15:guide>
+      </p15:sldGuideLst>
+    </p:ext>
+  </p:extLst>
 </p:presentation>
 </file>
 
@@ -3831,48 +3850,6 @@
             <a:endParaRPr lang="zh-CN" altLang="en-US"/>
           </a:p>
           <a:p>
-            <a:pPr lvl="1"/>
-            <a:r>
-              <a:rPr lang="en-US" altLang="zh-CN">
-                <a:sym typeface="+mn-ea"/>
-              </a:rPr>
-              <a:t>sudo apt install tesseract-ocr</a:t>
-            </a:r>
-            <a:endParaRPr lang="en-US" altLang="zh-CN"/>
-          </a:p>
-          <a:p>
-            <a:pPr lvl="1"/>
-            <a:r>
-              <a:rPr lang="en-US" altLang="zh-CN"/>
-              <a:t>pip install pytesseract</a:t>
-            </a:r>
-            <a:endParaRPr lang="en-US" altLang="zh-CN"/>
-          </a:p>
-          <a:p>
-            <a:pPr lvl="1"/>
-            <a:r>
-              <a:rPr lang="en-US" altLang="zh-CN"/>
-              <a:t>Usage</a:t>
-            </a:r>
-            <a:endParaRPr lang="en-US" altLang="zh-CN"/>
-          </a:p>
-          <a:p>
-            <a:pPr lvl="2"/>
-            <a:r>
-              <a:rPr lang="en-US" altLang="zh-CN"/>
-              <a:t>img = Image.open(fn_img)</a:t>
-            </a:r>
-            <a:endParaRPr lang="en-US" altLang="zh-CN"/>
-          </a:p>
-          <a:p>
-            <a:pPr lvl="2"/>
-            <a:r>
-              <a:rPr lang="en-US" altLang="zh-CN"/>
-              <a:t>txt = pytesseract.image_to_string(img, lang='eng')</a:t>
-            </a:r>
-            <a:endParaRPr lang="en-US" altLang="zh-CN"/>
-          </a:p>
-          <a:p>
             <a:pPr lvl="0"/>
             <a:r>
               <a:rPr lang="en-US" altLang="zh-CN"/>
@@ -3994,6 +3971,12 @@
   <p:tag name="KSO_WM_BEAUTIFY_FLAG" val="#wm#"/>
   <p:tag name="KSO_WM_TEMPLATE_CATEGORY" val="custom"/>
   <p:tag name="KSO_WM_TEMPLATE_INDEX" val="160402"/>
+</p:tagLst>
+</file>
+
+<file path=ppt/tags/tag8.xml><?xml version="1.0" encoding="utf-8"?>
+<p:tagLst xmlns:p="http://schemas.openxmlformats.org/presentationml/2006/main">
+  <p:tag name="commondata" val="eyJoZGlkIjoiYjRhZjQ5NWVmZmQxNmM3NmNkNDYxNWRmNzNmMjA1ZDAifQ=="/>
 </p:tagLst>
 </file>
 
